--- a/new_SE401/Lectures/9-Testing Metrics and Tools/Testing Metrics and Tools.pptx
+++ b/new_SE401/Lectures/9-Testing Metrics and Tools/Testing Metrics and Tools.pptx
@@ -2534,18 +2534,18 @@
     </dgm:pt>
   </dgm:ptLst>
   <dgm:cxnLst>
+    <dgm:cxn modelId="{5560FE4C-9FA1-4964-BA33-3CF68979235B}" type="presOf" srcId="{DA342E01-E334-42D1-8171-B89F4131F747}" destId="{A8C6FC44-ACD4-4F37-9F41-7EAF0CF43069}" srcOrd="0" destOrd="0" presId="urn:microsoft.com/office/officeart/2008/layout/HalfCircleOrganizationChart"/>
     <dgm:cxn modelId="{8DEEFF03-D025-47BE-87DC-325D8D65C936}" type="presOf" srcId="{166F6CBC-18B4-4438-B8EC-B022CF46BF4D}" destId="{78950BD5-1290-4354-8B6B-09FD6DA53F0A}" srcOrd="0" destOrd="0" presId="urn:microsoft.com/office/officeart/2008/layout/HalfCircleOrganizationChart"/>
-    <dgm:cxn modelId="{6D6D175B-3EC8-49ED-ACEC-1D62BBEBCDF9}" type="presOf" srcId="{7FF61EED-AC7D-48EA-9FA3-355CEBE859F4}" destId="{DEB0E1AB-8B61-489B-B7A1-AECAA44D90EF}" srcOrd="0" destOrd="0" presId="urn:microsoft.com/office/officeart/2008/layout/HalfCircleOrganizationChart"/>
+    <dgm:cxn modelId="{75A35621-E53C-4BAA-8058-1EF931F2B654}" srcId="{DA342E01-E334-42D1-8171-B89F4131F747}" destId="{019F5870-650F-4F05-AAA0-0C254A54C162}" srcOrd="0" destOrd="0" parTransId="{93066FB3-2C0D-4EDA-8C94-D25605CEA909}" sibTransId="{5D472651-9192-42C6-838A-4794F59B48F4}"/>
     <dgm:cxn modelId="{14CF1625-B441-4AE5-9E7C-7B6754754775}" type="presOf" srcId="{151F552F-7EF6-400F-91F7-B7B9A8324C73}" destId="{86326920-4BAB-4D81-BF66-4E0E38A9E46B}" srcOrd="1" destOrd="0" presId="urn:microsoft.com/office/officeart/2008/layout/HalfCircleOrganizationChart"/>
     <dgm:cxn modelId="{46A9FD95-EC5D-42F3-BA18-C6019F85A02E}" type="presOf" srcId="{019F5870-650F-4F05-AAA0-0C254A54C162}" destId="{91D0D222-48F9-45C7-8BA8-B573C69C3B6E}" srcOrd="0" destOrd="0" presId="urn:microsoft.com/office/officeart/2008/layout/HalfCircleOrganizationChart"/>
+    <dgm:cxn modelId="{5971B0C8-DAF0-40F1-8D64-FE9AEC34A0DC}" type="presOf" srcId="{151F552F-7EF6-400F-91F7-B7B9A8324C73}" destId="{E2C5F002-B5A6-49EF-A95A-B070EEF32F80}" srcOrd="0" destOrd="0" presId="urn:microsoft.com/office/officeart/2008/layout/HalfCircleOrganizationChart"/>
+    <dgm:cxn modelId="{35DDDAA7-AF6F-46AE-92BA-51D32595DF47}" srcId="{019F5870-650F-4F05-AAA0-0C254A54C162}" destId="{166F6CBC-18B4-4438-B8EC-B022CF46BF4D}" srcOrd="0" destOrd="0" parTransId="{7FF61EED-AC7D-48EA-9FA3-355CEBE859F4}" sibTransId="{8CC0E2C6-91E7-452E-B47C-76593833BF28}"/>
+    <dgm:cxn modelId="{9A167E5C-CD19-4AF3-9F9F-E9C028AA64F4}" type="presOf" srcId="{166F6CBC-18B4-4438-B8EC-B022CF46BF4D}" destId="{E5591542-4BE7-412C-9C67-D04D9F879EEA}" srcOrd="1" destOrd="0" presId="urn:microsoft.com/office/officeart/2008/layout/HalfCircleOrganizationChart"/>
+    <dgm:cxn modelId="{151D7AC5-E52F-4203-8815-97E7E0E7032C}" type="presOf" srcId="{A6484DD7-3A05-4464-8046-84A728BB456D}" destId="{D1336ABB-31EB-48B7-AF84-AE2FB2CBDA93}" srcOrd="0" destOrd="0" presId="urn:microsoft.com/office/officeart/2008/layout/HalfCircleOrganizationChart"/>
+    <dgm:cxn modelId="{8D9A4E38-0877-40D1-8552-9BAF12BD93CB}" srcId="{019F5870-650F-4F05-AAA0-0C254A54C162}" destId="{151F552F-7EF6-400F-91F7-B7B9A8324C73}" srcOrd="1" destOrd="0" parTransId="{A6484DD7-3A05-4464-8046-84A728BB456D}" sibTransId="{4C31BFEE-7BFA-45F1-8F16-32F3884802C4}"/>
     <dgm:cxn modelId="{8CD8748A-453B-417E-8910-AC6AF4EC4291}" type="presOf" srcId="{019F5870-650F-4F05-AAA0-0C254A54C162}" destId="{DDF6F62D-A96A-455D-B6A9-5722EE8F2792}" srcOrd="1" destOrd="0" presId="urn:microsoft.com/office/officeart/2008/layout/HalfCircleOrganizationChart"/>
-    <dgm:cxn modelId="{5971B0C8-DAF0-40F1-8D64-FE9AEC34A0DC}" type="presOf" srcId="{151F552F-7EF6-400F-91F7-B7B9A8324C73}" destId="{E2C5F002-B5A6-49EF-A95A-B070EEF32F80}" srcOrd="0" destOrd="0" presId="urn:microsoft.com/office/officeart/2008/layout/HalfCircleOrganizationChart"/>
-    <dgm:cxn modelId="{151D7AC5-E52F-4203-8815-97E7E0E7032C}" type="presOf" srcId="{A6484DD7-3A05-4464-8046-84A728BB456D}" destId="{D1336ABB-31EB-48B7-AF84-AE2FB2CBDA93}" srcOrd="0" destOrd="0" presId="urn:microsoft.com/office/officeart/2008/layout/HalfCircleOrganizationChart"/>
-    <dgm:cxn modelId="{9A167E5C-CD19-4AF3-9F9F-E9C028AA64F4}" type="presOf" srcId="{166F6CBC-18B4-4438-B8EC-B022CF46BF4D}" destId="{E5591542-4BE7-412C-9C67-D04D9F879EEA}" srcOrd="1" destOrd="0" presId="urn:microsoft.com/office/officeart/2008/layout/HalfCircleOrganizationChart"/>
-    <dgm:cxn modelId="{8D9A4E38-0877-40D1-8552-9BAF12BD93CB}" srcId="{019F5870-650F-4F05-AAA0-0C254A54C162}" destId="{151F552F-7EF6-400F-91F7-B7B9A8324C73}" srcOrd="1" destOrd="0" parTransId="{A6484DD7-3A05-4464-8046-84A728BB456D}" sibTransId="{4C31BFEE-7BFA-45F1-8F16-32F3884802C4}"/>
-    <dgm:cxn modelId="{75A35621-E53C-4BAA-8058-1EF931F2B654}" srcId="{DA342E01-E334-42D1-8171-B89F4131F747}" destId="{019F5870-650F-4F05-AAA0-0C254A54C162}" srcOrd="0" destOrd="0" parTransId="{93066FB3-2C0D-4EDA-8C94-D25605CEA909}" sibTransId="{5D472651-9192-42C6-838A-4794F59B48F4}"/>
-    <dgm:cxn modelId="{5560FE4C-9FA1-4964-BA33-3CF68979235B}" type="presOf" srcId="{DA342E01-E334-42D1-8171-B89F4131F747}" destId="{A8C6FC44-ACD4-4F37-9F41-7EAF0CF43069}" srcOrd="0" destOrd="0" presId="urn:microsoft.com/office/officeart/2008/layout/HalfCircleOrganizationChart"/>
-    <dgm:cxn modelId="{35DDDAA7-AF6F-46AE-92BA-51D32595DF47}" srcId="{019F5870-650F-4F05-AAA0-0C254A54C162}" destId="{166F6CBC-18B4-4438-B8EC-B022CF46BF4D}" srcOrd="0" destOrd="0" parTransId="{7FF61EED-AC7D-48EA-9FA3-355CEBE859F4}" sibTransId="{8CC0E2C6-91E7-452E-B47C-76593833BF28}"/>
+    <dgm:cxn modelId="{6D6D175B-3EC8-49ED-ACEC-1D62BBEBCDF9}" type="presOf" srcId="{7FF61EED-AC7D-48EA-9FA3-355CEBE859F4}" destId="{DEB0E1AB-8B61-489B-B7A1-AECAA44D90EF}" srcOrd="0" destOrd="0" presId="urn:microsoft.com/office/officeart/2008/layout/HalfCircleOrganizationChart"/>
     <dgm:cxn modelId="{0B2ED563-4F75-4ACD-B18A-B3EA4B2E3DC5}" type="presParOf" srcId="{A8C6FC44-ACD4-4F37-9F41-7EAF0CF43069}" destId="{E2DE3FF5-AC2D-44FD-8AEF-7EA928FE28A7}" srcOrd="0" destOrd="0" presId="urn:microsoft.com/office/officeart/2008/layout/HalfCircleOrganizationChart"/>
     <dgm:cxn modelId="{D5BD3A7C-8FBD-4795-81BF-2154134244CD}" type="presParOf" srcId="{E2DE3FF5-AC2D-44FD-8AEF-7EA928FE28A7}" destId="{74521654-80FD-4FE2-A348-02687233D4CA}" srcOrd="0" destOrd="0" presId="urn:microsoft.com/office/officeart/2008/layout/HalfCircleOrganizationChart"/>
     <dgm:cxn modelId="{CBD590C3-CAEB-4388-94C9-8C0B0A8FF04E}" type="presParOf" srcId="{74521654-80FD-4FE2-A348-02687233D4CA}" destId="{91D0D222-48F9-45C7-8BA8-B573C69C3B6E}" srcOrd="0" destOrd="0" presId="urn:microsoft.com/office/officeart/2008/layout/HalfCircleOrganizationChart"/>
@@ -8722,7 +8722,7 @@
           <a:p>
             <a:fld id="{18D58CDB-FB35-4960-BBD1-BE10E7E051F2}" type="datetimeFigureOut">
               <a:rPr lang="en-US" smtClean="0"/>
-              <a:t>10/18/2021</a:t>
+              <a:t>11/28/2021</a:t>
             </a:fld>
             <a:endParaRPr lang="en-US"/>
           </a:p>
@@ -9552,14 +9552,14 @@
           <a:ln/>
           <a:extLst>
             <a:ext uri="{909E8E84-426E-40dd-AFC4-6F175D3DCCD1}">
-              <a14:hiddenFill xmlns="" xmlns:a14="http://schemas.microsoft.com/office/drawing/2010/main">
+              <a14:hiddenFill xmlns:a14="http://schemas.microsoft.com/office/drawing/2010/main" xmlns="">
                 <a:solidFill>
                   <a:srgbClr val="FFFFFF"/>
                 </a:solidFill>
               </a14:hiddenFill>
             </a:ext>
             <a:ext uri="{91240B29-F687-4f45-9708-019B960494DF}">
-              <a14:hiddenLine xmlns="" xmlns:a14="http://schemas.microsoft.com/office/drawing/2010/main" w="9525">
+              <a14:hiddenLine xmlns:a14="http://schemas.microsoft.com/office/drawing/2010/main" xmlns="" w="9525">
                 <a:solidFill>
                   <a:srgbClr val="000000"/>
                 </a:solidFill>
@@ -9569,7 +9569,7 @@
               </a14:hiddenLine>
             </a:ext>
             <a:ext uri="{FAA26D3D-D897-4be2-8F04-BA451C77F1D7}">
-              <ma14:placeholderFlag xmlns="" xmlns:ma14="http://schemas.microsoft.com/office/mac/drawingml/2011/main" val="1"/>
+              <ma14:placeholderFlag xmlns:ma14="http://schemas.microsoft.com/office/mac/drawingml/2011/main" xmlns="" val="1"/>
             </a:ext>
           </a:extLst>
         </p:spPr>
@@ -10270,14 +10270,14 @@
           <a:ln/>
           <a:extLst>
             <a:ext uri="{909E8E84-426E-40dd-AFC4-6F175D3DCCD1}">
-              <a14:hiddenFill xmlns="" xmlns:a14="http://schemas.microsoft.com/office/drawing/2010/main">
+              <a14:hiddenFill xmlns:a14="http://schemas.microsoft.com/office/drawing/2010/main" xmlns="">
                 <a:solidFill>
                   <a:srgbClr val="FFFFFF"/>
                 </a:solidFill>
               </a14:hiddenFill>
             </a:ext>
             <a:ext uri="{91240B29-F687-4f45-9708-019B960494DF}">
-              <a14:hiddenLine xmlns="" xmlns:a14="http://schemas.microsoft.com/office/drawing/2010/main" w="9525">
+              <a14:hiddenLine xmlns:a14="http://schemas.microsoft.com/office/drawing/2010/main" xmlns="" w="9525">
                 <a:solidFill>
                   <a:srgbClr val="000000"/>
                 </a:solidFill>
@@ -10287,7 +10287,7 @@
               </a14:hiddenLine>
             </a:ext>
             <a:ext uri="{FAA26D3D-D897-4be2-8F04-BA451C77F1D7}">
-              <ma14:placeholderFlag xmlns="" xmlns:ma14="http://schemas.microsoft.com/office/mac/drawingml/2011/main" val="1"/>
+              <ma14:placeholderFlag xmlns:ma14="http://schemas.microsoft.com/office/mac/drawingml/2011/main" xmlns="" val="1"/>
             </a:ext>
           </a:extLst>
         </p:spPr>
@@ -10471,14 +10471,14 @@
           <a:ln/>
           <a:extLst>
             <a:ext uri="{909E8E84-426E-40dd-AFC4-6F175D3DCCD1}">
-              <a14:hiddenFill xmlns="" xmlns:a14="http://schemas.microsoft.com/office/drawing/2010/main">
+              <a14:hiddenFill xmlns:a14="http://schemas.microsoft.com/office/drawing/2010/main" xmlns="">
                 <a:solidFill>
                   <a:srgbClr val="FFFFFF"/>
                 </a:solidFill>
               </a14:hiddenFill>
             </a:ext>
             <a:ext uri="{91240B29-F687-4f45-9708-019B960494DF}">
-              <a14:hiddenLine xmlns="" xmlns:a14="http://schemas.microsoft.com/office/drawing/2010/main" w="9525">
+              <a14:hiddenLine xmlns:a14="http://schemas.microsoft.com/office/drawing/2010/main" xmlns="" w="9525">
                 <a:solidFill>
                   <a:srgbClr val="000000"/>
                 </a:solidFill>
@@ -10488,7 +10488,7 @@
               </a14:hiddenLine>
             </a:ext>
             <a:ext uri="{FAA26D3D-D897-4be2-8F04-BA451C77F1D7}">
-              <ma14:placeholderFlag xmlns="" xmlns:ma14="http://schemas.microsoft.com/office/mac/drawingml/2011/main" val="1"/>
+              <ma14:placeholderFlag xmlns:ma14="http://schemas.microsoft.com/office/mac/drawingml/2011/main" xmlns="" val="1"/>
             </a:ext>
           </a:extLst>
         </p:spPr>
@@ -10763,7 +10763,7 @@
           <a:p>
             <a:fld id="{73FDDA95-3E2A-4B2C-BE24-C5A0D5EA4D5D}" type="datetime1">
               <a:rPr lang="en-US" smtClean="0"/>
-              <a:t>10/18/2021</a:t>
+              <a:t>11/28/2021</a:t>
             </a:fld>
             <a:endParaRPr lang="en-US"/>
           </a:p>
@@ -11014,7 +11014,7 @@
           <a:p>
             <a:fld id="{97C0B128-ED08-4B46-B4D0-5439A7EB29B0}" type="datetime1">
               <a:rPr lang="en-US" smtClean="0"/>
-              <a:t>10/18/2021</a:t>
+              <a:t>11/28/2021</a:t>
             </a:fld>
             <a:endParaRPr lang="en-US"/>
           </a:p>
@@ -11194,7 +11194,7 @@
           <a:p>
             <a:fld id="{C3ECF309-123F-47C1-BC51-529A53EBC90B}" type="datetime1">
               <a:rPr lang="en-US" smtClean="0"/>
-              <a:t>10/18/2021</a:t>
+              <a:t>11/28/2021</a:t>
             </a:fld>
             <a:endParaRPr lang="en-US"/>
           </a:p>
@@ -11450,7 +11450,7 @@
           <a:p>
             <a:fld id="{8F491770-02F5-4EEB-8601-CC4E424F523D}" type="datetime1">
               <a:rPr lang="en-US" smtClean="0"/>
-              <a:t>10/18/2021</a:t>
+              <a:t>11/28/2021</a:t>
             </a:fld>
             <a:endParaRPr lang="en-US"/>
           </a:p>
@@ -11795,7 +11795,7 @@
           <a:p>
             <a:fld id="{63A2874A-11ED-4E3A-9066-213A68F8CED7}" type="datetime1">
               <a:rPr lang="en-US" smtClean="0"/>
-              <a:t>10/18/2021</a:t>
+              <a:t>11/28/2021</a:t>
             </a:fld>
             <a:endParaRPr lang="en-US"/>
           </a:p>
@@ -12027,7 +12027,7 @@
           <a:p>
             <a:fld id="{F56AB2B8-B9CD-4E2D-B57D-FBF811708A7C}" type="datetime1">
               <a:rPr lang="en-US" smtClean="0"/>
-              <a:t>10/18/2021</a:t>
+              <a:t>11/28/2021</a:t>
             </a:fld>
             <a:endParaRPr lang="en-US"/>
           </a:p>
@@ -12394,7 +12394,7 @@
           <a:p>
             <a:fld id="{8EFFCC53-0033-47FF-BD73-44EEB44BECA1}" type="datetime1">
               <a:rPr lang="en-US" smtClean="0"/>
-              <a:t>10/18/2021</a:t>
+              <a:t>11/28/2021</a:t>
             </a:fld>
             <a:endParaRPr lang="en-US"/>
           </a:p>
@@ -12489,7 +12489,7 @@
           <a:p>
             <a:fld id="{31FD96E9-5753-4FE4-8B3B-6EDF2976D164}" type="datetime1">
               <a:rPr lang="en-US" smtClean="0"/>
-              <a:t>10/18/2021</a:t>
+              <a:t>11/28/2021</a:t>
             </a:fld>
             <a:endParaRPr lang="en-US"/>
           </a:p>
@@ -12712,7 +12712,7 @@
             <a:fld id="{B2F5E2FA-C428-4CE7-95B0-168D3259A5BB}" type="datetimeFigureOut">
               <a:rPr lang="en-US" smtClean="0"/>
               <a:pPr/>
-              <a:t>10/18/2021</a:t>
+              <a:t>11/28/2021</a:t>
             </a:fld>
             <a:endParaRPr lang="en-US"/>
           </a:p>
@@ -12883,7 +12883,7 @@
           <a:p>
             <a:fld id="{E7DE8145-F44B-4601-8F4B-591622DFBFC6}" type="datetime1">
               <a:rPr lang="en-US" smtClean="0"/>
-              <a:t>10/18/2021</a:t>
+              <a:t>11/28/2021</a:t>
             </a:fld>
             <a:endParaRPr lang="en-US"/>
           </a:p>
@@ -13160,7 +13160,7 @@
           <a:p>
             <a:fld id="{4AB128D8-6988-4047-8644-6A4CB4B64017}" type="datetime1">
               <a:rPr lang="en-US" smtClean="0"/>
-              <a:t>10/18/2021</a:t>
+              <a:t>11/28/2021</a:t>
             </a:fld>
             <a:endParaRPr lang="en-US"/>
           </a:p>
@@ -13413,7 +13413,7 @@
           <a:p>
             <a:fld id="{9206963F-132D-48FF-BB0D-81F5CBD5164B}" type="datetime1">
               <a:rPr lang="en-US" smtClean="0"/>
-              <a:t>10/18/2021</a:t>
+              <a:t>11/28/2021</a:t>
             </a:fld>
             <a:endParaRPr lang="en-US"/>
           </a:p>
@@ -13626,7 +13626,7 @@
           <a:p>
             <a:fld id="{871C7A76-B038-443C-ABE7-91057FC74AAF}" type="datetime1">
               <a:rPr lang="en-US" smtClean="0"/>
-              <a:t>10/18/2021</a:t>
+              <a:t>11/28/2021</a:t>
             </a:fld>
             <a:endParaRPr lang="en-US"/>
           </a:p>
@@ -14070,8 +14070,8 @@
           <a:lstStyle/>
           <a:p>
             <a:r>
-              <a:rPr lang="en-US" dirty="0" smtClean="0"/>
-              <a:t>Chapter 9</a:t>
+              <a:rPr lang="en-US"/>
+              <a:t>SE401: Software Quality Assurance and Testing</a:t>
             </a:r>
             <a:endParaRPr lang="en-US" dirty="0"/>
           </a:p>
@@ -16386,7 +16386,7 @@
           <a:noFill/>
           <a:extLst>
             <a:ext uri="{909E8E84-426E-40dd-AFC4-6F175D3DCCD1}">
-              <a14:hiddenFill xmlns="" xmlns:a14="http://schemas.microsoft.com/office/drawing/2010/main">
+              <a14:hiddenFill xmlns:a14="http://schemas.microsoft.com/office/drawing/2010/main" xmlns="">
                 <a:solidFill>
                   <a:srgbClr val="FFFFFF"/>
                 </a:solidFill>
@@ -18357,7 +18357,7 @@
           <a:noFill/>
           <a:extLst>
             <a:ext uri="{909E8E84-426E-40dd-AFC4-6F175D3DCCD1}">
-              <a14:hiddenFill xmlns="" xmlns:a14="http://schemas.microsoft.com/office/drawing/2010/main">
+              <a14:hiddenFill xmlns:a14="http://schemas.microsoft.com/office/drawing/2010/main" xmlns="">
                 <a:solidFill>
                   <a:srgbClr val="FFFFFF"/>
                 </a:solidFill>
@@ -18904,7 +18904,7 @@
           <a:noFill/>
           <a:extLst>
             <a:ext uri="{909E8E84-426E-40dd-AFC4-6F175D3DCCD1}">
-              <a14:hiddenFill xmlns="" xmlns:a14="http://schemas.microsoft.com/office/drawing/2010/main">
+              <a14:hiddenFill xmlns:a14="http://schemas.microsoft.com/office/drawing/2010/main" xmlns="">
                 <a:solidFill>
                   <a:srgbClr val="FFFFFF"/>
                 </a:solidFill>
@@ -19350,7 +19350,7 @@
           <a:noFill/>
           <a:extLst>
             <a:ext uri="{909E8E84-426E-40dd-AFC4-6F175D3DCCD1}">
-              <a14:hiddenFill xmlns="" xmlns:a14="http://schemas.microsoft.com/office/drawing/2010/main">
+              <a14:hiddenFill xmlns:a14="http://schemas.microsoft.com/office/drawing/2010/main" xmlns="">
                 <a:solidFill>
                   <a:srgbClr val="FFFFFF"/>
                 </a:solidFill>
@@ -19842,7 +19842,7 @@
           <a:noFill/>
           <a:extLst>
             <a:ext uri="{909E8E84-426E-40dd-AFC4-6F175D3DCCD1}">
-              <a14:hiddenFill xmlns="" xmlns:a14="http://schemas.microsoft.com/office/drawing/2010/main">
+              <a14:hiddenFill xmlns:a14="http://schemas.microsoft.com/office/drawing/2010/main" xmlns="">
                 <a:solidFill>
                   <a:srgbClr val="FFFFFF"/>
                 </a:solidFill>
@@ -20725,7 +20725,7 @@
           <a:noFill/>
           <a:extLst>
             <a:ext uri="{909E8E84-426E-40dd-AFC4-6F175D3DCCD1}">
-              <a14:hiddenFill xmlns="" xmlns:a14="http://schemas.microsoft.com/office/drawing/2010/main">
+              <a14:hiddenFill xmlns:a14="http://schemas.microsoft.com/office/drawing/2010/main" xmlns="">
                 <a:solidFill>
                   <a:srgbClr val="FFFFFF"/>
                 </a:solidFill>
@@ -21165,7 +21165,7 @@
           <a:noFill/>
           <a:extLst>
             <a:ext uri="{909E8E84-426E-40dd-AFC4-6F175D3DCCD1}">
-              <a14:hiddenFill xmlns="" xmlns:a14="http://schemas.microsoft.com/office/drawing/2010/main">
+              <a14:hiddenFill xmlns:a14="http://schemas.microsoft.com/office/drawing/2010/main" xmlns="">
                 <a:solidFill>
                   <a:srgbClr val="FFFFFF"/>
                 </a:solidFill>
@@ -21603,7 +21603,7 @@
           <a:noFill/>
           <a:extLst>
             <a:ext uri="{909E8E84-426E-40dd-AFC4-6F175D3DCCD1}">
-              <a14:hiddenFill xmlns="" xmlns:a14="http://schemas.microsoft.com/office/drawing/2010/main">
+              <a14:hiddenFill xmlns:a14="http://schemas.microsoft.com/office/drawing/2010/main" xmlns="">
                 <a:solidFill>
                   <a:srgbClr val="FFFFFF"/>
                 </a:solidFill>
@@ -22043,7 +22043,7 @@
           <a:noFill/>
           <a:extLst>
             <a:ext uri="{909E8E84-426E-40dd-AFC4-6F175D3DCCD1}">
-              <a14:hiddenFill xmlns="" xmlns:a14="http://schemas.microsoft.com/office/drawing/2010/main">
+              <a14:hiddenFill xmlns:a14="http://schemas.microsoft.com/office/drawing/2010/main" xmlns="">
                 <a:solidFill>
                   <a:srgbClr val="FFFFFF"/>
                 </a:solidFill>
@@ -24866,38 +24866,14 @@
           <a:p>
             <a:r>
               <a:rPr lang="en-US" dirty="0" smtClean="0"/>
-              <a:t>Tools </a:t>
-            </a:r>
-            <a:r>
-              <a:rPr lang="en-US" dirty="0" smtClean="0"/>
-              <a:t>can </a:t>
-            </a:r>
-            <a:r>
-              <a:rPr lang="en-US" dirty="0" smtClean="0"/>
-              <a:t>have one or more </a:t>
-            </a:r>
-            <a:r>
-              <a:rPr lang="en-US" dirty="0" smtClean="0"/>
-              <a:t>purposes</a:t>
-            </a:r>
-            <a:r>
-              <a:rPr lang="en-US" dirty="0" smtClean="0"/>
-              <a:t>, depending on the context:</a:t>
+              <a:t>Tools can have one or more purposes, depending on the context:</a:t>
             </a:r>
           </a:p>
           <a:p>
             <a:pPr lvl="1"/>
             <a:r>
               <a:rPr lang="en-US" dirty="0" smtClean="0"/>
-              <a:t>improve the efficiency of the test activities (e.g</a:t>
-            </a:r>
-            <a:r>
-              <a:rPr lang="en-US" dirty="0" smtClean="0"/>
-              <a:t>. </a:t>
-            </a:r>
-            <a:r>
-              <a:rPr lang="en-US" dirty="0" smtClean="0"/>
-              <a:t>by automating repetitive tasks)</a:t>
+              <a:t>improve the efficiency of the test activities (e.g. by automating repetitive tasks)</a:t>
             </a:r>
           </a:p>
           <a:p>
@@ -25448,7 +25424,6 @@
               <a:rPr lang="en-US" dirty="0"/>
               <a:t>Management of testing &amp; tests Tools</a:t>
             </a:r>
-            <a:endParaRPr lang="en-US" dirty="0"/>
           </a:p>
         </p:txBody>
       </p:sp>
@@ -25797,7 +25772,6 @@
               <a:rPr lang="en-US" dirty="0"/>
               <a:t>Static Testing Tools</a:t>
             </a:r>
-            <a:endParaRPr lang="en-US" dirty="0"/>
           </a:p>
         </p:txBody>
       </p:sp>
@@ -25947,7 +25921,6 @@
               <a:rPr lang="en-US" dirty="0"/>
               <a:t>Static Testing Tools</a:t>
             </a:r>
-            <a:endParaRPr lang="en-US" dirty="0"/>
           </a:p>
         </p:txBody>
       </p:sp>
@@ -26098,7 +26071,6 @@
               <a:rPr lang="en-US" dirty="0"/>
               <a:t>Static Testing Tools</a:t>
             </a:r>
-            <a:endParaRPr lang="en-US" dirty="0"/>
           </a:p>
         </p:txBody>
       </p:sp>
@@ -26951,7 +26923,6 @@
               <a:rPr lang="en-US" dirty="0"/>
               <a:t>Static Testing Tools</a:t>
             </a:r>
-            <a:endParaRPr lang="en-US" dirty="0"/>
           </a:p>
         </p:txBody>
       </p:sp>
@@ -27236,7 +27207,6 @@
               <a:rPr lang="en-US" dirty="0"/>
               <a:t>Static Testing Tools</a:t>
             </a:r>
-            <a:endParaRPr lang="en-US" dirty="0"/>
           </a:p>
         </p:txBody>
       </p:sp>
@@ -27417,7 +27387,6 @@
               <a:rPr lang="en-US" dirty="0"/>
               <a:t>Static Testing Tools</a:t>
             </a:r>
-            <a:endParaRPr lang="en-US" dirty="0"/>
           </a:p>
         </p:txBody>
       </p:sp>
@@ -27682,7 +27651,6 @@
               <a:rPr lang="en-US" dirty="0"/>
               <a:t>Test design and specification Tools</a:t>
             </a:r>
-            <a:endParaRPr lang="en-US" dirty="0"/>
           </a:p>
         </p:txBody>
       </p:sp>
@@ -27862,7 +27830,6 @@
               <a:rPr lang="en-US" dirty="0"/>
               <a:t>Test design and specification Tools</a:t>
             </a:r>
-            <a:endParaRPr lang="en-US" dirty="0"/>
           </a:p>
         </p:txBody>
       </p:sp>
@@ -28015,7 +27982,6 @@
               <a:rPr lang="en-US" dirty="0"/>
               <a:t>Test design and specification Tools</a:t>
             </a:r>
-            <a:endParaRPr lang="en-US" dirty="0"/>
           </a:p>
         </p:txBody>
       </p:sp>
@@ -28377,7 +28343,6 @@
               <a:rPr lang="en-US" dirty="0"/>
               <a:t>Test execution &amp; logging Tools</a:t>
             </a:r>
-            <a:endParaRPr lang="en-US" dirty="0"/>
           </a:p>
         </p:txBody>
       </p:sp>
@@ -28582,7 +28547,6 @@
               <a:rPr lang="en-US" dirty="0"/>
               <a:t>Test execution &amp; logging Tools</a:t>
             </a:r>
-            <a:endParaRPr lang="en-US" dirty="0"/>
           </a:p>
         </p:txBody>
       </p:sp>
@@ -28737,7 +28701,6 @@
               <a:rPr lang="en-US" dirty="0"/>
               <a:t>Test execution &amp; logging Tools</a:t>
             </a:r>
-            <a:endParaRPr lang="en-US" dirty="0"/>
           </a:p>
         </p:txBody>
       </p:sp>
@@ -29123,7 +29086,6 @@
               <a:rPr lang="en-US" dirty="0"/>
               <a:t>Test execution &amp; logging Tools</a:t>
             </a:r>
-            <a:endParaRPr lang="en-US" dirty="0"/>
           </a:p>
         </p:txBody>
       </p:sp>
@@ -29283,7 +29245,6 @@
               <a:rPr lang="en-US" dirty="0"/>
               <a:t>Test execution &amp; logging Tools</a:t>
             </a:r>
-            <a:endParaRPr lang="en-US" dirty="0"/>
           </a:p>
         </p:txBody>
       </p:sp>
@@ -29432,7 +29393,6 @@
               <a:rPr lang="en-US" dirty="0"/>
               <a:t>Test execution &amp; logging Tools</a:t>
             </a:r>
-            <a:endParaRPr lang="en-US" dirty="0"/>
           </a:p>
         </p:txBody>
       </p:sp>
@@ -29761,7 +29721,6 @@
               <a:rPr lang="en-US" dirty="0"/>
               <a:t>Performance &amp; monitoring Tools</a:t>
             </a:r>
-            <a:endParaRPr lang="en-US" dirty="0"/>
           </a:p>
         </p:txBody>
       </p:sp>
@@ -29986,7 +29945,6 @@
               <a:rPr lang="en-US" dirty="0"/>
               <a:t>Performance &amp; monitoring Tools</a:t>
             </a:r>
-            <a:endParaRPr lang="en-US" dirty="0"/>
           </a:p>
         </p:txBody>
       </p:sp>
@@ -30404,7 +30362,6 @@
               <a:rPr lang="en-US" dirty="0"/>
               <a:t>Performance &amp; monitoring Tools</a:t>
             </a:r>
-            <a:endParaRPr lang="en-US" dirty="0"/>
           </a:p>
         </p:txBody>
       </p:sp>
@@ -30934,7 +30891,6 @@
               <a:rPr lang="en-US" dirty="0"/>
               <a:t>Specific application areas Tools</a:t>
             </a:r>
-            <a:endParaRPr lang="en-US" dirty="0"/>
           </a:p>
         </p:txBody>
       </p:sp>
@@ -31064,7 +31020,6 @@
               <a:rPr lang="en-US" dirty="0"/>
               <a:t>Specific application areas Tools</a:t>
             </a:r>
-            <a:endParaRPr lang="en-US" dirty="0"/>
           </a:p>
         </p:txBody>
       </p:sp>
@@ -35259,7 +35214,7 @@
               </a:ln>
               <a:extLst>
                 <a:ext uri="{909E8E84-426E-40dd-AFC4-6F175D3DCCD1}">
-                  <a14:hiddenFill xmlns="" xmlns:a14="http://schemas.microsoft.com/office/drawing/2010/main">
+                  <a14:hiddenFill xmlns:a14="http://schemas.microsoft.com/office/drawing/2010/main" xmlns="">
                     <a:noFill/>
                   </a14:hiddenFill>
                 </a:ext>
@@ -35366,7 +35321,7 @@
               </a:ln>
               <a:extLst>
                 <a:ext uri="{909E8E84-426E-40dd-AFC4-6F175D3DCCD1}">
-                  <a14:hiddenFill xmlns="" xmlns:a14="http://schemas.microsoft.com/office/drawing/2010/main">
+                  <a14:hiddenFill xmlns:a14="http://schemas.microsoft.com/office/drawing/2010/main" xmlns="">
                     <a:solidFill>
                       <a:srgbClr val="FFFFFF"/>
                     </a:solidFill>
@@ -35412,7 +35367,7 @@
             </a:ln>
             <a:extLst>
               <a:ext uri="{909E8E84-426E-40dd-AFC4-6F175D3DCCD1}">
-                <a14:hiddenFill xmlns="" xmlns:a14="http://schemas.microsoft.com/office/drawing/2010/main">
+                <a14:hiddenFill xmlns:a14="http://schemas.microsoft.com/office/drawing/2010/main" xmlns="">
                   <a:noFill/>
                 </a14:hiddenFill>
               </a:ext>
@@ -35457,7 +35412,7 @@
             </a:ln>
             <a:extLst>
               <a:ext uri="{909E8E84-426E-40dd-AFC4-6F175D3DCCD1}">
-                <a14:hiddenFill xmlns="" xmlns:a14="http://schemas.microsoft.com/office/drawing/2010/main">
+                <a14:hiddenFill xmlns:a14="http://schemas.microsoft.com/office/drawing/2010/main" xmlns="">
                   <a:noFill/>
                 </a14:hiddenFill>
               </a:ext>
@@ -35550,14 +35505,14 @@
             </a:ln>
             <a:extLst>
               <a:ext uri="{909E8E84-426E-40dd-AFC4-6F175D3DCCD1}">
-                <a14:hiddenFill xmlns="" xmlns:a14="http://schemas.microsoft.com/office/drawing/2010/main">
+                <a14:hiddenFill xmlns:a14="http://schemas.microsoft.com/office/drawing/2010/main" xmlns="">
                   <a:solidFill>
                     <a:srgbClr val="FFFFFF"/>
                   </a:solidFill>
                 </a14:hiddenFill>
               </a:ext>
               <a:ext uri="{91240B29-F687-4f45-9708-019B960494DF}">
-                <a14:hiddenLine xmlns="" xmlns:a14="http://schemas.microsoft.com/office/drawing/2010/main" w="9525">
+                <a14:hiddenLine xmlns:a14="http://schemas.microsoft.com/office/drawing/2010/main" xmlns="" w="9525">
                   <a:solidFill>
                     <a:srgbClr val="000000"/>
                   </a:solidFill>
@@ -35798,7 +35753,6 @@
               <a:rPr lang="en-US" dirty="0"/>
               <a:t>“QA” &amp; Testing</a:t>
             </a:r>
-            <a:endParaRPr lang="en-US" dirty="0"/>
           </a:p>
         </p:txBody>
       </p:sp>
